--- a/pj.pptx
+++ b/pj.pptx
@@ -315,7 +315,7 @@
           <a:p>
             <a:fld id="{E665D5A4-9427-4AC4-8A7B-94E26DC3DE12}" type="datetimeFigureOut">
               <a:rPr lang="th-TH" smtClean="0"/>
-              <a:t>23/08/59</a:t>
+              <a:t>24/08/59</a:t>
             </a:fld>
             <a:endParaRPr lang="th-TH"/>
           </a:p>
@@ -485,7 +485,7 @@
           <a:p>
             <a:fld id="{E665D5A4-9427-4AC4-8A7B-94E26DC3DE12}" type="datetimeFigureOut">
               <a:rPr lang="th-TH" smtClean="0"/>
-              <a:t>23/08/59</a:t>
+              <a:t>24/08/59</a:t>
             </a:fld>
             <a:endParaRPr lang="th-TH"/>
           </a:p>
@@ -665,7 +665,7 @@
           <a:p>
             <a:fld id="{E665D5A4-9427-4AC4-8A7B-94E26DC3DE12}" type="datetimeFigureOut">
               <a:rPr lang="th-TH" smtClean="0"/>
-              <a:t>23/08/59</a:t>
+              <a:t>24/08/59</a:t>
             </a:fld>
             <a:endParaRPr lang="th-TH"/>
           </a:p>
@@ -835,7 +835,7 @@
           <a:p>
             <a:fld id="{E665D5A4-9427-4AC4-8A7B-94E26DC3DE12}" type="datetimeFigureOut">
               <a:rPr lang="th-TH" smtClean="0"/>
-              <a:t>23/08/59</a:t>
+              <a:t>24/08/59</a:t>
             </a:fld>
             <a:endParaRPr lang="th-TH"/>
           </a:p>
@@ -1081,7 +1081,7 @@
           <a:p>
             <a:fld id="{E665D5A4-9427-4AC4-8A7B-94E26DC3DE12}" type="datetimeFigureOut">
               <a:rPr lang="th-TH" smtClean="0"/>
-              <a:t>23/08/59</a:t>
+              <a:t>24/08/59</a:t>
             </a:fld>
             <a:endParaRPr lang="th-TH"/>
           </a:p>
@@ -1369,7 +1369,7 @@
           <a:p>
             <a:fld id="{E665D5A4-9427-4AC4-8A7B-94E26DC3DE12}" type="datetimeFigureOut">
               <a:rPr lang="th-TH" smtClean="0"/>
-              <a:t>23/08/59</a:t>
+              <a:t>24/08/59</a:t>
             </a:fld>
             <a:endParaRPr lang="th-TH"/>
           </a:p>
@@ -1791,7 +1791,7 @@
           <a:p>
             <a:fld id="{E665D5A4-9427-4AC4-8A7B-94E26DC3DE12}" type="datetimeFigureOut">
               <a:rPr lang="th-TH" smtClean="0"/>
-              <a:t>23/08/59</a:t>
+              <a:t>24/08/59</a:t>
             </a:fld>
             <a:endParaRPr lang="th-TH"/>
           </a:p>
@@ -1909,7 +1909,7 @@
           <a:p>
             <a:fld id="{E665D5A4-9427-4AC4-8A7B-94E26DC3DE12}" type="datetimeFigureOut">
               <a:rPr lang="th-TH" smtClean="0"/>
-              <a:t>23/08/59</a:t>
+              <a:t>24/08/59</a:t>
             </a:fld>
             <a:endParaRPr lang="th-TH"/>
           </a:p>
@@ -2004,7 +2004,7 @@
           <a:p>
             <a:fld id="{E665D5A4-9427-4AC4-8A7B-94E26DC3DE12}" type="datetimeFigureOut">
               <a:rPr lang="th-TH" smtClean="0"/>
-              <a:t>23/08/59</a:t>
+              <a:t>24/08/59</a:t>
             </a:fld>
             <a:endParaRPr lang="th-TH"/>
           </a:p>
@@ -2281,7 +2281,7 @@
           <a:p>
             <a:fld id="{E665D5A4-9427-4AC4-8A7B-94E26DC3DE12}" type="datetimeFigureOut">
               <a:rPr lang="th-TH" smtClean="0"/>
-              <a:t>23/08/59</a:t>
+              <a:t>24/08/59</a:t>
             </a:fld>
             <a:endParaRPr lang="th-TH"/>
           </a:p>
@@ -2534,7 +2534,7 @@
           <a:p>
             <a:fld id="{E665D5A4-9427-4AC4-8A7B-94E26DC3DE12}" type="datetimeFigureOut">
               <a:rPr lang="th-TH" smtClean="0"/>
-              <a:t>23/08/59</a:t>
+              <a:t>24/08/59</a:t>
             </a:fld>
             <a:endParaRPr lang="th-TH"/>
           </a:p>
@@ -2747,7 +2747,7 @@
           <a:p>
             <a:fld id="{E665D5A4-9427-4AC4-8A7B-94E26DC3DE12}" type="datetimeFigureOut">
               <a:rPr lang="th-TH" smtClean="0"/>
-              <a:t>23/08/59</a:t>
+              <a:t>24/08/59</a:t>
             </a:fld>
             <a:endParaRPr lang="th-TH"/>
           </a:p>
@@ -3478,7 +3478,7 @@
               </a:rPr>
             </a:br>
             <a:r>
-              <a:rPr lang="th-TH" sz="2000" dirty="0">
+              <a:rPr lang="th-TH" sz="2000" dirty="0" smtClean="0">
                 <a:solidFill>
                   <a:schemeClr val="tx1"/>
                 </a:solidFill>
@@ -3501,12 +3501,20 @@
               </a:rPr>
             </a:br>
             <a:r>
-              <a:rPr lang="th-TH" sz="2000" dirty="0">
-                <a:solidFill>
-                  <a:schemeClr val="tx1"/>
-                </a:solidFill>
-              </a:rPr>
-              <a:t>วันอังคาร บุษราคัม</a:t>
+              <a:rPr lang="th-TH" sz="2000" dirty="0" smtClean="0">
+                <a:solidFill>
+                  <a:schemeClr val="tx1"/>
+                </a:solidFill>
+              </a:rPr>
+              <a:t>วัน</a:t>
+            </a:r>
+            <a:r>
+              <a:rPr lang="th-TH" sz="2000" dirty="0">
+                <a:solidFill>
+                  <a:schemeClr val="tx1"/>
+                </a:solidFill>
+              </a:rPr>
+              <a:t>อังคาร บุษราคัม</a:t>
             </a:r>
             <a:r>
               <a:rPr lang="en-US" sz="2000" dirty="0">
@@ -3555,35 +3563,30 @@
               <a:t>วันพฤหัสบดี </a:t>
             </a:r>
             <a:r>
-              <a:rPr lang="th-TH" sz="2000" dirty="0" err="1">
-                <a:solidFill>
-                  <a:schemeClr val="tx1"/>
-                </a:solidFill>
-              </a:rPr>
-              <a:t>ไพฑรูย์</a:t>
-            </a:r>
-            <a:r>
-              <a:rPr lang="en-US" sz="2000" dirty="0">
-                <a:solidFill>
-                  <a:schemeClr val="tx1"/>
-                </a:solidFill>
-              </a:rPr>
-              <a:t/>
-            </a:r>
-            <a:br>
-              <a:rPr lang="en-US" sz="2000" dirty="0">
-                <a:solidFill>
-                  <a:schemeClr val="tx1"/>
-                </a:solidFill>
-              </a:rPr>
-            </a:br>
-            <a:r>
-              <a:rPr lang="th-TH" sz="2000" dirty="0">
-                <a:solidFill>
-                  <a:schemeClr val="tx1"/>
-                </a:solidFill>
-              </a:rPr>
-              <a:t>วันศุกร์ มุกดา - เพชร</a:t>
+              <a:rPr lang="th-TH" sz="2000" dirty="0" smtClean="0">
+                <a:solidFill>
+                  <a:schemeClr val="tx1"/>
+                </a:solidFill>
+              </a:rPr>
+              <a:t>ไพฑูรย์</a:t>
+            </a:r>
+          </a:p>
+          <a:p>
+            <a:r>
+              <a:rPr lang="th-TH" sz="2000" dirty="0" smtClean="0">
+                <a:solidFill>
+                  <a:schemeClr val="tx1"/>
+                </a:solidFill>
+              </a:rPr>
+              <a:t>วัน</a:t>
+            </a:r>
+            <a:r>
+              <a:rPr lang="th-TH" sz="2000" dirty="0">
+                <a:solidFill>
+                  <a:schemeClr val="tx1"/>
+                </a:solidFill>
+              </a:rPr>
+              <a:t>ศุกร์ มุกดา - เพชร</a:t>
             </a:r>
             <a:r>
               <a:rPr lang="en-US" sz="2000" dirty="0">
@@ -5620,6 +5623,25 @@
               <a:rPr lang="th-TH" sz="1800" dirty="0"/>
               <a:t>   เนื่องจากว่าวันเสาร์ตามหลักโหราศาสตร์แล้วถือกันว่าเป็นวันแห่งโทษทุกข์ และดาวเสาร์ยังจัดเป็นดาวแห่งบาปเคราะห์อีกด้วยแต่การขึ้นบ้านใหม่ ต้องการความร่มเย็น ความสุขและความมั่นคงถาวร ความเจริญ ดังนั้นคนโบราณจึงห้ามมิให้ประกอบพิธีเกี่ยวกับการปลูกสร้าง บ้านเรือน เช่น การยกเสาเอก วางศิลาฤกษ์ เปิดป้ายอาคาร หรือแม้กระทั่งการย้ายเข้าสู่บ้านใหม่ </a:t>
             </a:r>
+            <a:br>
+              <a:rPr lang="th-TH" sz="1800" dirty="0"/>
+            </a:br>
+            <a:r>
+              <a:rPr lang="en-US" sz="1800" b="1" dirty="0"/>
+              <a:t>2</a:t>
+            </a:r>
+            <a:r>
+              <a:rPr lang="th-TH" sz="1800" b="1" dirty="0"/>
+              <a:t> </a:t>
+            </a:r>
+            <a:r>
+              <a:rPr lang="th-TH" sz="1800" b="1" dirty="0" smtClean="0"/>
+              <a:t> เผา</a:t>
+            </a:r>
+            <a:r>
+              <a:rPr lang="th-TH" sz="1800" b="1" dirty="0"/>
+              <a:t>ผีวันศุกร์</a:t>
+            </a:r>
             <a:r>
               <a:rPr lang="th-TH" sz="1800" dirty="0"/>
               <a:t/>
@@ -5628,20 +5650,27 @@
               <a:rPr lang="th-TH" sz="1800" dirty="0"/>
             </a:br>
             <a:r>
-              <a:rPr lang="en-US" sz="1800" b="1" dirty="0"/>
-              <a:t>2</a:t>
-            </a:r>
+              <a:rPr lang="th-TH" sz="1800" dirty="0"/>
+              <a:t>   ตามคติโบราณท่านห้ามทำการฌาปนกิจศพกันในวันศุกร์ เพราะชื่อของวันศุกร์นั้น ไปคล้องจองกับคำว่า "สุข" ดังนั้นเมื่อเอาความสุขไปให้คนตาย เป็นการกระทำอันไม่เป็นมงคล ความทุกข์ทั้งหลายก็จะต้องตกมาถึงคนเป็นหรือผู้ที่ทำการดังกล่าว ส่วนอีกเหตุผลหนึ่งก็คือ ดาวศุกร์เป็นดาวรื่นเริง บันเทิงใจ ดาวสังคม และความรัก ซึ่งตรงกันข้ามกับความทุกข์ ความหม่นหมอง ดังนั้นคนโบราณจึงได้ห้ามการกระทำดังกล่าวเอาไว้และมีคำพูดที่ให้ท่องกันติดปากว่า "เผาผีวันศุกร์ ให้ทุกข์คนยัง" </a:t>
+            </a:r>
+            <a:br>
+              <a:rPr lang="th-TH" sz="1800" dirty="0"/>
+            </a:br>
             <a:r>
               <a:rPr lang="th-TH" sz="1800" b="1" dirty="0"/>
               <a:t> </a:t>
             </a:r>
             <a:r>
+              <a:rPr lang="en-US" sz="1800" b="1" dirty="0" smtClean="0"/>
+              <a:t>3 </a:t>
+            </a:r>
+            <a:r>
               <a:rPr lang="th-TH" sz="1800" b="1" dirty="0" smtClean="0"/>
-              <a:t> เผา</a:t>
+              <a:t>โกน</a:t>
             </a:r>
             <a:r>
               <a:rPr lang="th-TH" sz="1800" b="1" dirty="0"/>
-              <a:t>ผีวันศุกร์</a:t>
+              <a:t>จุกวันอังคาร</a:t>
             </a:r>
             <a:r>
               <a:rPr lang="th-TH" sz="1800" dirty="0"/>
@@ -5652,7 +5681,44 @@
             </a:br>
             <a:r>
               <a:rPr lang="th-TH" sz="1800" dirty="0"/>
-              <a:t>   ตามคติโบราณท่านห้ามทำการฌาปนกิจศพกันในวันศุกร์ เพราะชื่อของวันศุกร์นั้น ไปคล้องจองกับคำว่า "สุข" ดังนั้นเมื่อเอาความสุขไปให้คนตาย เป็นการกระทำอันไม่เป็นมงคล ความทุกข์ทั้งหลายก็จะต้องตกมาถึงคนเป็นหรือผู้ที่ทำการดังกล่าว ส่วนอีกเหตุผลหนึ่งก็คือ ดาวศุกร์เป็นดาวรื่นเริง บันเทิงใจ ดาวสังคม และความรัก ซึ่งตรงกันข้ามกับความทุกข์ ความหม่นหมอง ดังนั้นคนโบราณจึงได้ห้ามการกระทำดังกล่าวเอาไว้และมีคำพูดที่ให้ท่องกันติดปากว่า "เผาผีวันศุกร์ ให้ทุกข์คนยัง" </a:t>
+              <a:t>   วันอังคารนั้นถือว่าเป็นวันแรงวันหนึ่ง เพราะดาวอังคารคือดาวแห่งเทพเจ้าของสงคราม คนโบราณท่านว่าวันเจ้าแห่งสงครามนี้เหมาะแก่การออกรบหรืองานที่ต้องการความแข็งแกร่ง ความเด็ดขาดมากกว่า ไม่ควรใช้วันดังกล่าวเพื่อกระทำการที่เป็นมงคล หรือต้องการความร่มเย็น ความผาสุก และลาภผลต่างๆ เช่นการโกนจุก การขึ้นบ้านใหม่ พิธีมงคลสมรส เป็นต้น เพราะถ้าหากนำวันนี้ไปใช้แล้วก็อาจจะมีการทะเลาะวิวาทกัน หรือมีอุบัติเหตุเกิดขึ้นก็ได้ เพราะดาวอังคารยังจัดเป็นดาวแห่งอุบัติเหตุอีกด้วย </a:t>
+            </a:r>
+            <a:br>
+              <a:rPr lang="th-TH" sz="1800" dirty="0"/>
+            </a:br>
+            <a:r>
+              <a:rPr lang="th-TH" sz="1800" dirty="0"/>
+              <a:t> </a:t>
+            </a:r>
+            <a:r>
+              <a:rPr lang="en-US" sz="1800" b="1" dirty="0" smtClean="0"/>
+              <a:t>4 </a:t>
+            </a:r>
+            <a:r>
+              <a:rPr lang="th-TH" sz="1800" b="1" dirty="0" smtClean="0"/>
+              <a:t>แต่งงาน</a:t>
+            </a:r>
+            <a:r>
+              <a:rPr lang="th-TH" sz="1800" b="1" dirty="0"/>
+              <a:t>วันพุธ</a:t>
+            </a:r>
+            <a:br>
+              <a:rPr lang="th-TH" sz="1800" b="1" dirty="0"/>
+            </a:br>
+            <a:r>
+              <a:rPr lang="th-TH" sz="1800" dirty="0"/>
+              <a:t>   ในทางโหราศาสตร์เราจะรู้ได้ว่า ดาวพุธเป็นดาวแห่งความแปรปรวน มักมีการโคจรที่ผิดปรกติอยู่เสมอ เดี๋ยวดีเดี๋ยวช้า เดี๋ยวเดินเร็ว แต่สักพักกลับเดินถอยหลัง ด้วยสาเหตุดังกล่าวคนโบราณจึงถือว่าดาวพุธเป็นดาวที่หาความแน่นอนและความมั่งคงไม่ได้ จึงไม่ควรเป็นอย่างยิ่งที่จะใช้วันนี้เป็นวันประกอบพิธีมงคลสมรส เพราะอาจจะทำให้คู่บ่าวสาวมีจิตใจที่โลเล ไม่มั่นคงกับคู่ครองของตนเอง ซึ่งจะนำพาไปสู่การนอกใจและหย่าร้างกันในที่สุด </a:t>
+            </a:r>
+            <a:br>
+              <a:rPr lang="th-TH" sz="1800" dirty="0"/>
+            </a:br>
+            <a:r>
+              <a:rPr lang="en-US" sz="1800" b="1" dirty="0"/>
+              <a:t>5</a:t>
+            </a:r>
+            <a:r>
+              <a:rPr lang="th-TH" sz="1800" b="1" dirty="0"/>
+              <a:t> พุธห้ามตัด, พฤหัสห้ามถอน </a:t>
             </a:r>
             <a:r>
               <a:rPr lang="th-TH" sz="1800" dirty="0"/>
@@ -5662,91 +5728,8 @@
               <a:rPr lang="th-TH" sz="1800" dirty="0"/>
             </a:br>
             <a:r>
-              <a:rPr lang="th-TH" sz="1800" b="1" dirty="0"/>
-              <a:t> </a:t>
-            </a:r>
-            <a:r>
-              <a:rPr lang="en-US" sz="1800" b="1" dirty="0" smtClean="0"/>
-              <a:t>3 </a:t>
-            </a:r>
-            <a:r>
-              <a:rPr lang="th-TH" sz="1800" b="1" dirty="0" smtClean="0"/>
-              <a:t>โกน</a:t>
-            </a:r>
-            <a:r>
-              <a:rPr lang="th-TH" sz="1800" b="1" dirty="0"/>
-              <a:t>จุกวันอังคาร</a:t>
-            </a:r>
-            <a:r>
-              <a:rPr lang="th-TH" sz="1800" dirty="0"/>
-              <a:t/>
-            </a:r>
-            <a:br>
-              <a:rPr lang="th-TH" sz="1800" dirty="0"/>
-            </a:br>
-            <a:r>
-              <a:rPr lang="th-TH" sz="1800" dirty="0"/>
-              <a:t>   วันอังคารนั้นถือว่าเป็นวันแรงวันหนึ่ง เพราะดาวอังคารคือดาวแห่งเทพเจ้าของสงคราม คนโบราณท่านว่าวันเจ้าแห่งสงครามนี้เหมาะแก่การออกรบหรืองานที่ต้องการความแข็งแกร่ง ความเด็ดขาดมากกว่า ไม่ควรใช้วันดังกล่าวเพื่อกระทำการที่เป็นมงคล หรือต้องการความร่มเย็น ความผาสุก และลาภผลต่างๆ เช่นการโกนจุก การขึ้นบ้านใหม่ พิธีมงคลสมรส เป็นต้น เพราะถ้าหากนำวันนี้ไปใช้แล้วก็อาจจะมีการทะเลาะวิวาทกัน หรือมีอุบัติเหตุเกิดขึ้นก็ได้ เพราะดาวอังคารยังจัดเป็นดาวแห่งอุบัติเหตุอีกด้วย </a:t>
-            </a:r>
-            <a:r>
-              <a:rPr lang="th-TH" sz="1800" dirty="0"/>
-              <a:t/>
-            </a:r>
-            <a:br>
-              <a:rPr lang="th-TH" sz="1800" dirty="0"/>
-            </a:br>
-            <a:r>
-              <a:rPr lang="th-TH" sz="1800" dirty="0"/>
-              <a:t> </a:t>
-            </a:r>
-            <a:r>
-              <a:rPr lang="en-US" sz="1800" b="1" dirty="0" smtClean="0"/>
-              <a:t>4 </a:t>
-            </a:r>
-            <a:r>
-              <a:rPr lang="th-TH" sz="1800" b="1" dirty="0" smtClean="0"/>
-              <a:t>แต่งงาน</a:t>
-            </a:r>
-            <a:r>
-              <a:rPr lang="th-TH" sz="1800" b="1" dirty="0"/>
-              <a:t>วันพุธ</a:t>
-            </a:r>
-            <a:br>
-              <a:rPr lang="th-TH" sz="1800" b="1" dirty="0"/>
-            </a:br>
-            <a:r>
-              <a:rPr lang="th-TH" sz="1800" dirty="0"/>
-              <a:t>   ในทางโหราศาสตร์เราจะรู้ได้ว่า ดาวพุธเป็นดาวแห่งความแปรปรวน มักมีการโคจรที่ผิดปรกติอยู่เสมอ เดี๋ยวดีเดี๋ยวช้า เดี๋ยวเดินเร็ว แต่สักพักกลับเดินถอยหลัง ด้วยสาเหตุดังกล่าวคนโบราณจึงถือว่าดาวพุธเป็นดาวที่หาความแน่นอนและความมั่งคงไม่ได้ จึงไม่ควรเป็นอย่างยิ่งที่จะใช้วันนี้เป็นวันประกอบพิธีมงคลสมรส เพราะอาจจะทำให้คู่บ่าวสาวมีจิตใจที่โลเล ไม่มั่นคงกับคู่ครองของตนเอง ซึ่งจะนำพาไปสู่การนอกใจและหย่าร้างกันในที่สุด </a:t>
-            </a:r>
-            <a:r>
-              <a:rPr lang="th-TH" sz="1800" dirty="0"/>
-              <a:t/>
-            </a:r>
-            <a:br>
-              <a:rPr lang="th-TH" sz="1800" dirty="0"/>
-            </a:br>
-            <a:r>
-              <a:rPr lang="en-US" sz="1800" b="1" dirty="0"/>
-              <a:t>5</a:t>
-            </a:r>
-            <a:r>
-              <a:rPr lang="th-TH" sz="1800" b="1" dirty="0"/>
-              <a:t> พุธห้ามตัด, พฤหัสห้ามถอน </a:t>
-            </a:r>
-            <a:r>
-              <a:rPr lang="th-TH" sz="1800" dirty="0"/>
-              <a:t/>
-            </a:r>
-            <a:br>
-              <a:rPr lang="th-TH" sz="1800" dirty="0"/>
-            </a:br>
-            <a:r>
               <a:rPr lang="th-TH" sz="1800" dirty="0"/>
               <a:t>   วันพุธห้ามตัดผม และตัดไม้ เพราะวันพุธเป็นวันแห่งการเจริญเติบโตและวิวัฒนาการ ถือว่าถ้าตัดผมวันพุธจะทำให้ปัญญาทราม ส่วนวันพฤหัสนั้นเป็นวันครูเป็นวันที่นิยมเรียนวิชา ทำให้มีความเจริญก้าวหน้า รุ่งเรือง ดังนั้นไม่ควรถอน หรือโค่นทำลายสิ่งใดๆก็ตาม และในวันพฤหัสนี้ทางโบราณยังห้ามเรื่องการแต่งงานอีกด้วย เพราะวันนี้คือวันครู ดังนั้นไม่ควรกระทำการดังกล่าวในวันนี้เพราะถือว่าเป็นการไม่เคารพนับถือครูบาอาจารย์ </a:t>
-            </a:r>
-            <a:r>
-              <a:rPr lang="th-TH" sz="1800" dirty="0"/>
-              <a:t/>
             </a:r>
             <a:br>
               <a:rPr lang="th-TH" sz="1800" dirty="0"/>
